--- a/Project_Presentation.pptx
+++ b/Project_Presentation.pptx
@@ -207,7 +207,7 @@
             </a:extLst>
           </p:cNvPr>
           <p:cNvSpPr>
-            <a:spLocks/>
+            <a:spLocks noGrp="1" noRot="1" noChangeAspect="1"/>
           </p:cNvSpPr>
           <p:nvPr>
             <p:ph type="sldImg"/>
@@ -709,7 +709,7 @@
               <a:pPr>
                 <a:defRPr/>
               </a:pPr>
-              <a:t>12/4/2025</a:t>
+              <a:t>12/5/2025</a:t>
             </a:fld>
             <a:endParaRPr lang="en-US"/>
           </a:p>
@@ -919,7 +919,7 @@
               <a:pPr>
                 <a:defRPr/>
               </a:pPr>
-              <a:t>12/4/2025</a:t>
+              <a:t>12/5/2025</a:t>
             </a:fld>
             <a:endParaRPr lang="en-US"/>
           </a:p>
@@ -1139,7 +1139,7 @@
               <a:pPr>
                 <a:defRPr/>
               </a:pPr>
-              <a:t>12/4/2025</a:t>
+              <a:t>12/5/2025</a:t>
             </a:fld>
             <a:endParaRPr lang="en-US"/>
           </a:p>
@@ -1371,7 +1371,7 @@
               <a:pPr>
                 <a:defRPr/>
               </a:pPr>
-              <a:t>12/4/2025</a:t>
+              <a:t>12/5/2025</a:t>
             </a:fld>
             <a:endParaRPr lang="en-US"/>
           </a:p>
@@ -1581,7 +1581,7 @@
               <a:pPr>
                 <a:defRPr/>
               </a:pPr>
-              <a:t>12/4/2025</a:t>
+              <a:t>12/5/2025</a:t>
             </a:fld>
             <a:endParaRPr lang="en-US"/>
           </a:p>
@@ -1867,7 +1867,7 @@
               <a:pPr>
                 <a:defRPr/>
               </a:pPr>
-              <a:t>12/4/2025</a:t>
+              <a:t>12/5/2025</a:t>
             </a:fld>
             <a:endParaRPr lang="en-US"/>
           </a:p>
@@ -2139,7 +2139,7 @@
               <a:pPr>
                 <a:defRPr/>
               </a:pPr>
-              <a:t>12/4/2025</a:t>
+              <a:t>12/5/2025</a:t>
             </a:fld>
             <a:endParaRPr lang="en-US"/>
           </a:p>
@@ -2546,7 +2546,7 @@
               <a:pPr>
                 <a:defRPr/>
               </a:pPr>
-              <a:t>12/4/2025</a:t>
+              <a:t>12/5/2025</a:t>
             </a:fld>
             <a:endParaRPr lang="en-US"/>
           </a:p>
@@ -2704,7 +2704,7 @@
               <a:pPr>
                 <a:defRPr/>
               </a:pPr>
-              <a:t>12/4/2025</a:t>
+              <a:t>12/5/2025</a:t>
             </a:fld>
             <a:endParaRPr lang="en-US"/>
           </a:p>
@@ -2839,7 +2839,7 @@
               <a:pPr>
                 <a:defRPr/>
               </a:pPr>
-              <a:t>12/4/2025</a:t>
+              <a:t>12/5/2025</a:t>
             </a:fld>
             <a:endParaRPr lang="en-US"/>
           </a:p>
@@ -3156,7 +3156,7 @@
               <a:pPr>
                 <a:defRPr/>
               </a:pPr>
-              <a:t>12/4/2025</a:t>
+              <a:t>12/5/2025</a:t>
             </a:fld>
             <a:endParaRPr lang="en-US"/>
           </a:p>
@@ -3366,7 +3366,7 @@
               <a:pPr>
                 <a:defRPr/>
               </a:pPr>
-              <a:t>12/4/2025</a:t>
+              <a:t>12/5/2025</a:t>
             </a:fld>
             <a:endParaRPr lang="en-US"/>
           </a:p>
@@ -3666,7 +3666,7 @@
               <a:pPr>
                 <a:defRPr/>
               </a:pPr>
-              <a:t>12/4/2025</a:t>
+              <a:t>12/5/2025</a:t>
             </a:fld>
             <a:endParaRPr lang="en-US"/>
           </a:p>
@@ -3876,7 +3876,7 @@
               <a:pPr>
                 <a:defRPr/>
               </a:pPr>
-              <a:t>12/4/2025</a:t>
+              <a:t>12/5/2025</a:t>
             </a:fld>
             <a:endParaRPr lang="en-US"/>
           </a:p>
@@ -4096,7 +4096,7 @@
               <a:pPr>
                 <a:defRPr/>
               </a:pPr>
-              <a:t>12/4/2025</a:t>
+              <a:t>12/5/2025</a:t>
             </a:fld>
             <a:endParaRPr lang="en-US"/>
           </a:p>
@@ -4382,7 +4382,7 @@
               <a:pPr>
                 <a:defRPr/>
               </a:pPr>
-              <a:t>12/4/2025</a:t>
+              <a:t>12/5/2025</a:t>
             </a:fld>
             <a:endParaRPr lang="en-US"/>
           </a:p>
@@ -4654,7 +4654,7 @@
               <a:pPr>
                 <a:defRPr/>
               </a:pPr>
-              <a:t>12/4/2025</a:t>
+              <a:t>12/5/2025</a:t>
             </a:fld>
             <a:endParaRPr lang="en-US"/>
           </a:p>
@@ -5061,7 +5061,7 @@
               <a:pPr>
                 <a:defRPr/>
               </a:pPr>
-              <a:t>12/4/2025</a:t>
+              <a:t>12/5/2025</a:t>
             </a:fld>
             <a:endParaRPr lang="en-US"/>
           </a:p>
@@ -5219,7 +5219,7 @@
               <a:pPr>
                 <a:defRPr/>
               </a:pPr>
-              <a:t>12/4/2025</a:t>
+              <a:t>12/5/2025</a:t>
             </a:fld>
             <a:endParaRPr lang="en-US"/>
           </a:p>
@@ -5354,7 +5354,7 @@
               <a:pPr>
                 <a:defRPr/>
               </a:pPr>
-              <a:t>12/4/2025</a:t>
+              <a:t>12/5/2025</a:t>
             </a:fld>
             <a:endParaRPr lang="en-US"/>
           </a:p>
@@ -5671,7 +5671,7 @@
               <a:pPr>
                 <a:defRPr/>
               </a:pPr>
-              <a:t>12/4/2025</a:t>
+              <a:t>12/5/2025</a:t>
             </a:fld>
             <a:endParaRPr lang="en-US"/>
           </a:p>
@@ -5971,7 +5971,7 @@
               <a:pPr>
                 <a:defRPr/>
               </a:pPr>
-              <a:t>12/4/2025</a:t>
+              <a:t>12/5/2025</a:t>
             </a:fld>
             <a:endParaRPr lang="en-US"/>
           </a:p>
@@ -6290,7 +6290,7 @@
               <a:pPr>
                 <a:defRPr/>
               </a:pPr>
-              <a:t>12/4/2025</a:t>
+              <a:t>12/5/2025</a:t>
             </a:fld>
             <a:endParaRPr lang="en-US"/>
           </a:p>
@@ -7078,7 +7078,7 @@
               <a:pPr>
                 <a:defRPr/>
               </a:pPr>
-              <a:t>12/4/2025</a:t>
+              <a:t>12/5/2025</a:t>
             </a:fld>
             <a:endParaRPr lang="en-US"/>
           </a:p>
@@ -7940,7 +7940,7 @@
         <p:spPr bwMode="auto">
           <a:xfrm>
             <a:off x="3508375" y="2782907"/>
-            <a:ext cx="2749407" cy="338554"/>
+            <a:ext cx="5356082" cy="338554"/>
           </a:xfrm>
           <a:prstGeom prst="rect">
             <a:avLst/>
@@ -8108,7 +8108,7 @@
                 </a:solidFill>
                 <a:latin typeface="Amasis MT Pro Black" panose="02040A04050005020304" pitchFamily="18" charset="-18"/>
               </a:rPr>
-              <a:t>Author: Wojciech Domino</a:t>
+              <a:t>Developer: Wojciech Domino, Tester: Mateusz Maj</a:t>
             </a:r>
             <a:endParaRPr lang="en-US" altLang="pl-PL" sz="1600">
               <a:solidFill>
@@ -10559,8 +10559,8 @@
           </a:prstGeom>
         </p:spPr>
       </p:pic>
-      <mc:AlternateContent xmlns:mc="http://schemas.openxmlformats.org/markup-compatibility/2006">
-        <mc:Choice xmlns:a14="http://schemas.microsoft.com/office/drawing/2010/main" Requires="a14">
+      <mc:AlternateContent xmlns:mc="http://schemas.openxmlformats.org/markup-compatibility/2006" xmlns:a14="http://schemas.microsoft.com/office/drawing/2010/main">
+        <mc:Choice Requires="a14">
           <p:sp>
             <p:nvSpPr>
               <p:cNvPr id="6" name="pole tekstowe 5">
@@ -10690,19 +10690,27 @@
                 <a14:m>
                   <m:oMath xmlns:m="http://schemas.openxmlformats.org/officeDocument/2006/math">
                     <m:r>
-                      <a:rPr lang="pl-PL" sz="1400" i="1"/>
+                      <a:rPr lang="pl-PL" sz="1400" i="1">
+                        <a:latin typeface="Cambria Math" panose="02040503050406030204" pitchFamily="18" charset="0"/>
+                      </a:rPr>
                       <m:t>𝐺𝑖𝑛𝑖</m:t>
                     </m:r>
                     <m:r>
-                      <a:rPr lang="pl-PL" sz="1400"/>
+                      <a:rPr lang="pl-PL" sz="1400">
+                        <a:latin typeface="Cambria Math" panose="02040503050406030204" pitchFamily="18" charset="0"/>
+                      </a:rPr>
                       <m:t>=</m:t>
                     </m:r>
                     <m:r>
-                      <a:rPr lang="pl-PL" sz="1400"/>
+                      <a:rPr lang="pl-PL" sz="1400">
+                        <a:latin typeface="Cambria Math" panose="02040503050406030204" pitchFamily="18" charset="0"/>
+                      </a:rPr>
                       <m:t>1</m:t>
                     </m:r>
                     <m:r>
-                      <a:rPr lang="pl-PL" sz="1400"/>
+                      <a:rPr lang="pl-PL" sz="1400">
+                        <a:latin typeface="Cambria Math" panose="02040503050406030204" pitchFamily="18" charset="0"/>
+                      </a:rPr>
                       <m:t>−</m:t>
                     </m:r>
                     <m:nary>
@@ -10712,7 +10720,9 @@
                         <m:subHide m:val="on"/>
                         <m:supHide m:val="on"/>
                         <m:ctrlPr>
-                          <a:rPr lang="ar-AE" sz="1400" i="1"/>
+                          <a:rPr lang="ar-AE" sz="1400" i="1">
+                            <a:latin typeface="Cambria Math" panose="02040503050406030204" pitchFamily="18" charset="0"/>
+                          </a:rPr>
                         </m:ctrlPr>
                       </m:naryPr>
                       <m:sub/>
@@ -10721,24 +10731,32 @@
                         <m:sSubSup>
                           <m:sSubSupPr>
                             <m:ctrlPr>
-                              <a:rPr lang="ar-AE" sz="1400" i="1"/>
+                              <a:rPr lang="ar-AE" sz="1400" i="1">
+                                <a:latin typeface="Cambria Math" panose="02040503050406030204" pitchFamily="18" charset="0"/>
+                              </a:rPr>
                             </m:ctrlPr>
                           </m:sSubSupPr>
                           <m:e>
                             <m:r>
-                              <a:rPr lang="ar-AE" sz="1400" i="1"/>
+                              <a:rPr lang="ar-AE" sz="1400" i="1">
+                                <a:latin typeface="Cambria Math" panose="02040503050406030204" pitchFamily="18" charset="0"/>
+                              </a:rPr>
                               <m:t>𝑝</m:t>
                             </m:r>
                           </m:e>
                           <m:sub>
                             <m:r>
-                              <a:rPr lang="ar-AE" sz="1400" i="1"/>
+                              <a:rPr lang="ar-AE" sz="1400" i="1">
+                                <a:latin typeface="Cambria Math" panose="02040503050406030204" pitchFamily="18" charset="0"/>
+                              </a:rPr>
                               <m:t>𝑖</m:t>
                             </m:r>
                           </m:sub>
                           <m:sup>
                             <m:r>
-                              <a:rPr lang="ar-AE" sz="1400"/>
+                              <a:rPr lang="ar-AE" sz="1400">
+                                <a:latin typeface="Cambria Math" panose="02040503050406030204" pitchFamily="18" charset="0"/>
+                              </a:rPr>
                               <m:t>2</m:t>
                             </m:r>
                           </m:sup>
@@ -10843,7 +10861,7 @@
             </p:txBody>
           </p:sp>
         </mc:Choice>
-        <mc:Fallback>
+        <mc:Fallback xmlns="">
           <p:sp>
             <p:nvSpPr>
               <p:cNvPr id="6" name="pole tekstowe 5">
